--- a/Diver-shop.pptx
+++ b/Diver-shop.pptx
@@ -11,11 +11,13 @@
     <p:sldId id="259" r:id="rId5"/>
     <p:sldId id="260" r:id="rId6"/>
     <p:sldId id="261" r:id="rId7"/>
-    <p:sldId id="262" r:id="rId8"/>
-    <p:sldId id="263" r:id="rId9"/>
-    <p:sldId id="264" r:id="rId10"/>
-    <p:sldId id="265" r:id="rId11"/>
-    <p:sldId id="266" r:id="rId12"/>
+    <p:sldId id="267" r:id="rId8"/>
+    <p:sldId id="268" r:id="rId9"/>
+    <p:sldId id="262" r:id="rId10"/>
+    <p:sldId id="263" r:id="rId11"/>
+    <p:sldId id="264" r:id="rId12"/>
+    <p:sldId id="265" r:id="rId13"/>
+    <p:sldId id="266" r:id="rId14"/>
   </p:sldIdLst>
   <p:sldSz cx="12192000" cy="6858000"/>
   <p:notesSz cx="6858000" cy="9144000"/>
@@ -28,10 +30,10 @@
         <p:sld r:id="rId5"/>
         <p:sld r:id="rId6"/>
         <p:sld r:id="rId7"/>
-        <p:sld r:id="rId8"/>
-        <p:sld r:id="rId9"/>
         <p:sld r:id="rId10"/>
         <p:sld r:id="rId11"/>
+        <p:sld r:id="rId12"/>
+        <p:sld r:id="rId13"/>
       </p:sldLst>
     </p:custShow>
   </p:custShowLst>
@@ -269,7 +271,7 @@
           <a:p>
             <a:fld id="{3F3331D7-58B8-45B0-A69D-7C0F65F598DF}" type="datetimeFigureOut">
               <a:rPr lang="ru-RU" smtClean="0"/>
-              <a:t>08.07.2021</a:t>
+              <a:t>09.07.2021</a:t>
             </a:fld>
             <a:endParaRPr lang="ru-RU"/>
           </a:p>
@@ -442,7 +444,7 @@
           <a:p>
             <a:fld id="{3F3331D7-58B8-45B0-A69D-7C0F65F598DF}" type="datetimeFigureOut">
               <a:rPr lang="ru-RU" smtClean="0"/>
-              <a:t>08.07.2021</a:t>
+              <a:t>09.07.2021</a:t>
             </a:fld>
             <a:endParaRPr lang="ru-RU"/>
           </a:p>
@@ -625,7 +627,7 @@
           <a:p>
             <a:fld id="{3F3331D7-58B8-45B0-A69D-7C0F65F598DF}" type="datetimeFigureOut">
               <a:rPr lang="ru-RU" smtClean="0"/>
-              <a:t>08.07.2021</a:t>
+              <a:t>09.07.2021</a:t>
             </a:fld>
             <a:endParaRPr lang="ru-RU"/>
           </a:p>
@@ -798,7 +800,7 @@
           <a:p>
             <a:fld id="{3F3331D7-58B8-45B0-A69D-7C0F65F598DF}" type="datetimeFigureOut">
               <a:rPr lang="ru-RU" smtClean="0"/>
-              <a:t>08.07.2021</a:t>
+              <a:t>09.07.2021</a:t>
             </a:fld>
             <a:endParaRPr lang="ru-RU"/>
           </a:p>
@@ -1047,7 +1049,7 @@
           <a:p>
             <a:fld id="{3F3331D7-58B8-45B0-A69D-7C0F65F598DF}" type="datetimeFigureOut">
               <a:rPr lang="ru-RU" smtClean="0"/>
-              <a:t>08.07.2021</a:t>
+              <a:t>09.07.2021</a:t>
             </a:fld>
             <a:endParaRPr lang="ru-RU"/>
           </a:p>
@@ -1282,7 +1284,7 @@
           <a:p>
             <a:fld id="{3F3331D7-58B8-45B0-A69D-7C0F65F598DF}" type="datetimeFigureOut">
               <a:rPr lang="ru-RU" smtClean="0"/>
-              <a:t>08.07.2021</a:t>
+              <a:t>09.07.2021</a:t>
             </a:fld>
             <a:endParaRPr lang="ru-RU"/>
           </a:p>
@@ -1652,7 +1654,7 @@
           <a:p>
             <a:fld id="{3F3331D7-58B8-45B0-A69D-7C0F65F598DF}" type="datetimeFigureOut">
               <a:rPr lang="ru-RU" smtClean="0"/>
-              <a:t>08.07.2021</a:t>
+              <a:t>09.07.2021</a:t>
             </a:fld>
             <a:endParaRPr lang="ru-RU"/>
           </a:p>
@@ -1773,7 +1775,7 @@
           <a:p>
             <a:fld id="{3F3331D7-58B8-45B0-A69D-7C0F65F598DF}" type="datetimeFigureOut">
               <a:rPr lang="ru-RU" smtClean="0"/>
-              <a:t>08.07.2021</a:t>
+              <a:t>09.07.2021</a:t>
             </a:fld>
             <a:endParaRPr lang="ru-RU"/>
           </a:p>
@@ -1871,7 +1873,7 @@
           <a:p>
             <a:fld id="{3F3331D7-58B8-45B0-A69D-7C0F65F598DF}" type="datetimeFigureOut">
               <a:rPr lang="ru-RU" smtClean="0"/>
-              <a:t>08.07.2021</a:t>
+              <a:t>09.07.2021</a:t>
             </a:fld>
             <a:endParaRPr lang="ru-RU"/>
           </a:p>
@@ -2151,7 +2153,7 @@
           <a:p>
             <a:fld id="{3F3331D7-58B8-45B0-A69D-7C0F65F598DF}" type="datetimeFigureOut">
               <a:rPr lang="ru-RU" smtClean="0"/>
-              <a:t>08.07.2021</a:t>
+              <a:t>09.07.2021</a:t>
             </a:fld>
             <a:endParaRPr lang="ru-RU"/>
           </a:p>
@@ -2407,7 +2409,7 @@
           <a:p>
             <a:fld id="{3F3331D7-58B8-45B0-A69D-7C0F65F598DF}" type="datetimeFigureOut">
               <a:rPr lang="ru-RU" smtClean="0"/>
-              <a:t>08.07.2021</a:t>
+              <a:t>09.07.2021</a:t>
             </a:fld>
             <a:endParaRPr lang="ru-RU"/>
           </a:p>
@@ -2630,7 +2632,7 @@
           <a:p>
             <a:fld id="{3F3331D7-58B8-45B0-A69D-7C0F65F598DF}" type="datetimeFigureOut">
               <a:rPr lang="ru-RU" smtClean="0"/>
-              <a:t>08.07.2021</a:t>
+              <a:t>09.07.2021</a:t>
             </a:fld>
             <a:endParaRPr lang="ru-RU"/>
           </a:p>
@@ -3183,755 +3185,6 @@
           <a:p>
             <a:r>
               <a:rPr lang="ru-RU" dirty="0" smtClean="0"/>
-              <a:t>Макет</a:t>
-            </a:r>
-            <a:endParaRPr lang="ru-RU" dirty="0"/>
-          </a:p>
-        </p:txBody>
-      </p:sp>
-      <p:pic>
-        <p:nvPicPr>
-          <p:cNvPr id="4" name="Объект 3"/>
-          <p:cNvPicPr>
-            <a:picLocks noGrp="1" noChangeAspect="1"/>
-          </p:cNvPicPr>
-          <p:nvPr>
-            <p:ph idx="1"/>
-          </p:nvPr>
-        </p:nvPicPr>
-        <p:blipFill>
-          <a:blip r:embed="rId2"/>
-          <a:stretch>
-            <a:fillRect/>
-          </a:stretch>
-        </p:blipFill>
-        <p:spPr>
-          <a:xfrm>
-            <a:off x="2896497" y="0"/>
-            <a:ext cx="8149039" cy="6858000"/>
-          </a:xfrm>
-          <a:prstGeom prst="rect">
-            <a:avLst/>
-          </a:prstGeom>
-        </p:spPr>
-      </p:pic>
-    </p:spTree>
-    <p:extLst>
-      <p:ext uri="{BB962C8B-B14F-4D97-AF65-F5344CB8AC3E}">
-        <p14:creationId xmlns:p14="http://schemas.microsoft.com/office/powerpoint/2010/main" val="3876534583"/>
-      </p:ext>
-    </p:extLst>
-  </p:cSld>
-  <p:clrMapOvr>
-    <a:masterClrMapping/>
-  </p:clrMapOvr>
-  <p:transition>
-    <p:push dir="u"/>
-  </p:transition>
-  <p:timing>
-    <p:tnLst>
-      <p:par>
-        <p:cTn id="1" dur="indefinite" restart="never" nodeType="tmRoot"/>
-      </p:par>
-    </p:tnLst>
-  </p:timing>
-</p:sld>
-</file>
-
-<file path=ppt/slides/slide11.xml><?xml version="1.0" encoding="utf-8"?>
-<p:sld xmlns:a="http://schemas.openxmlformats.org/drawingml/2006/main" xmlns:r="http://schemas.openxmlformats.org/officeDocument/2006/relationships" xmlns:p="http://schemas.openxmlformats.org/presentationml/2006/main">
-  <p:cSld>
-    <p:spTree>
-      <p:nvGrpSpPr>
-        <p:cNvPr id="1" name=""/>
-        <p:cNvGrpSpPr/>
-        <p:nvPr/>
-      </p:nvGrpSpPr>
-      <p:grpSpPr>
-        <a:xfrm>
-          <a:off x="0" y="0"/>
-          <a:ext cx="0" cy="0"/>
-          <a:chOff x="0" y="0"/>
-          <a:chExt cx="0" cy="0"/>
-        </a:xfrm>
-      </p:grpSpPr>
-      <p:sp>
-        <p:nvSpPr>
-          <p:cNvPr id="2" name="Заголовок 1"/>
-          <p:cNvSpPr>
-            <a:spLocks noGrp="1"/>
-          </p:cNvSpPr>
-          <p:nvPr>
-            <p:ph type="title"/>
-          </p:nvPr>
-        </p:nvSpPr>
-        <p:spPr/>
-        <p:txBody>
-          <a:bodyPr/>
-          <a:lstStyle/>
-          <a:p>
-            <a:r>
-              <a:rPr lang="ru-RU" dirty="0" smtClean="0"/>
-              <a:t>Окончательная версия(практически)</a:t>
-            </a:r>
-            <a:endParaRPr lang="ru-RU" dirty="0"/>
-          </a:p>
-        </p:txBody>
-      </p:sp>
-    </p:spTree>
-    <p:extLst>
-      <p:ext uri="{BB962C8B-B14F-4D97-AF65-F5344CB8AC3E}">
-        <p14:creationId xmlns:p14="http://schemas.microsoft.com/office/powerpoint/2010/main" val="1115990679"/>
-      </p:ext>
-    </p:extLst>
-  </p:cSld>
-  <p:clrMapOvr>
-    <a:masterClrMapping/>
-  </p:clrMapOvr>
-  <p:transition>
-    <p:push dir="u"/>
-  </p:transition>
-  <p:timing>
-    <p:tnLst>
-      <p:par>
-        <p:cTn id="1" dur="indefinite" restart="never" nodeType="tmRoot"/>
-      </p:par>
-    </p:tnLst>
-  </p:timing>
-</p:sld>
-</file>
-
-<file path=ppt/slides/slide2.xml><?xml version="1.0" encoding="utf-8"?>
-<p:sld xmlns:a="http://schemas.openxmlformats.org/drawingml/2006/main" xmlns:r="http://schemas.openxmlformats.org/officeDocument/2006/relationships" xmlns:p="http://schemas.openxmlformats.org/presentationml/2006/main">
-  <p:cSld>
-    <p:spTree>
-      <p:nvGrpSpPr>
-        <p:cNvPr id="1" name=""/>
-        <p:cNvGrpSpPr/>
-        <p:nvPr/>
-      </p:nvGrpSpPr>
-      <p:grpSpPr>
-        <a:xfrm>
-          <a:off x="0" y="0"/>
-          <a:ext cx="0" cy="0"/>
-          <a:chOff x="0" y="0"/>
-          <a:chExt cx="0" cy="0"/>
-        </a:xfrm>
-      </p:grpSpPr>
-      <p:sp>
-        <p:nvSpPr>
-          <p:cNvPr id="2" name="Заголовок 1"/>
-          <p:cNvSpPr>
-            <a:spLocks noGrp="1"/>
-          </p:cNvSpPr>
-          <p:nvPr>
-            <p:ph type="title"/>
-          </p:nvPr>
-        </p:nvSpPr>
-        <p:spPr/>
-        <p:txBody>
-          <a:bodyPr/>
-          <a:lstStyle/>
-          <a:p>
-            <a:r>
-              <a:rPr lang="ru-RU" dirty="0" err="1" smtClean="0"/>
-              <a:t>Тз</a:t>
-            </a:r>
-            <a:endParaRPr lang="ru-RU" dirty="0"/>
-          </a:p>
-        </p:txBody>
-      </p:sp>
-      <p:pic>
-        <p:nvPicPr>
-          <p:cNvPr id="5" name="Рисунок 4"/>
-          <p:cNvPicPr>
-            <a:picLocks noChangeAspect="1"/>
-          </p:cNvPicPr>
-          <p:nvPr/>
-        </p:nvPicPr>
-        <p:blipFill>
-          <a:blip r:embed="rId2"/>
-          <a:stretch>
-            <a:fillRect/>
-          </a:stretch>
-        </p:blipFill>
-        <p:spPr>
-          <a:xfrm>
-            <a:off x="3300845" y="365125"/>
-            <a:ext cx="6497782" cy="6331172"/>
-          </a:xfrm>
-          <a:prstGeom prst="rect">
-            <a:avLst/>
-          </a:prstGeom>
-        </p:spPr>
-      </p:pic>
-    </p:spTree>
-    <p:extLst>
-      <p:ext uri="{BB962C8B-B14F-4D97-AF65-F5344CB8AC3E}">
-        <p14:creationId xmlns:p14="http://schemas.microsoft.com/office/powerpoint/2010/main" val="3415176734"/>
-      </p:ext>
-    </p:extLst>
-  </p:cSld>
-  <p:clrMapOvr>
-    <a:masterClrMapping/>
-  </p:clrMapOvr>
-  <p:transition>
-    <p:push dir="u"/>
-  </p:transition>
-  <p:timing>
-    <p:tnLst>
-      <p:par>
-        <p:cTn id="1" dur="indefinite" restart="never" nodeType="tmRoot"/>
-      </p:par>
-    </p:tnLst>
-  </p:timing>
-</p:sld>
-</file>
-
-<file path=ppt/slides/slide3.xml><?xml version="1.0" encoding="utf-8"?>
-<p:sld xmlns:a="http://schemas.openxmlformats.org/drawingml/2006/main" xmlns:r="http://schemas.openxmlformats.org/officeDocument/2006/relationships" xmlns:p="http://schemas.openxmlformats.org/presentationml/2006/main">
-  <p:cSld>
-    <p:spTree>
-      <p:nvGrpSpPr>
-        <p:cNvPr id="1" name=""/>
-        <p:cNvGrpSpPr/>
-        <p:nvPr/>
-      </p:nvGrpSpPr>
-      <p:grpSpPr>
-        <a:xfrm>
-          <a:off x="0" y="0"/>
-          <a:ext cx="0" cy="0"/>
-          <a:chOff x="0" y="0"/>
-          <a:chExt cx="0" cy="0"/>
-        </a:xfrm>
-      </p:grpSpPr>
-      <p:sp>
-        <p:nvSpPr>
-          <p:cNvPr id="2" name="Заголовок 1"/>
-          <p:cNvSpPr>
-            <a:spLocks noGrp="1"/>
-          </p:cNvSpPr>
-          <p:nvPr>
-            <p:ph type="title"/>
-          </p:nvPr>
-        </p:nvSpPr>
-        <p:spPr/>
-        <p:txBody>
-          <a:bodyPr/>
-          <a:lstStyle/>
-          <a:p>
-            <a:r>
-              <a:rPr lang="ru-RU" dirty="0" smtClean="0"/>
-              <a:t>Цель-увеличить поток клиентов  </a:t>
-            </a:r>
-            <a:endParaRPr lang="ru-RU" dirty="0"/>
-          </a:p>
-        </p:txBody>
-      </p:sp>
-      <p:sp>
-        <p:nvSpPr>
-          <p:cNvPr id="3" name="Объект 2"/>
-          <p:cNvSpPr>
-            <a:spLocks noGrp="1"/>
-          </p:cNvSpPr>
-          <p:nvPr>
-            <p:ph idx="1"/>
-          </p:nvPr>
-        </p:nvSpPr>
-        <p:spPr/>
-        <p:txBody>
-          <a:bodyPr/>
-          <a:lstStyle/>
-          <a:p>
-            <a:pPr marL="0" indent="0">
-              <a:buNone/>
-            </a:pPr>
-            <a:r>
-              <a:rPr lang="ru-RU" dirty="0" smtClean="0"/>
-              <a:t>Увеличение потока клиентов позволит продавать больше товара и соответственно увеличит прибыль магазина</a:t>
-            </a:r>
-            <a:r>
-              <a:rPr lang="en-US" dirty="0" smtClean="0"/>
-              <a:t>.</a:t>
-            </a:r>
-            <a:endParaRPr lang="ru-RU" dirty="0"/>
-          </a:p>
-        </p:txBody>
-      </p:sp>
-    </p:spTree>
-    <p:extLst>
-      <p:ext uri="{BB962C8B-B14F-4D97-AF65-F5344CB8AC3E}">
-        <p14:creationId xmlns:p14="http://schemas.microsoft.com/office/powerpoint/2010/main" val="1631910176"/>
-      </p:ext>
-    </p:extLst>
-  </p:cSld>
-  <p:clrMapOvr>
-    <a:masterClrMapping/>
-  </p:clrMapOvr>
-  <p:transition>
-    <p:push dir="u"/>
-  </p:transition>
-  <p:timing>
-    <p:tnLst>
-      <p:par>
-        <p:cTn id="1" dur="indefinite" restart="never" nodeType="tmRoot"/>
-      </p:par>
-    </p:tnLst>
-  </p:timing>
-</p:sld>
-</file>
-
-<file path=ppt/slides/slide4.xml><?xml version="1.0" encoding="utf-8"?>
-<p:sld xmlns:a="http://schemas.openxmlformats.org/drawingml/2006/main" xmlns:r="http://schemas.openxmlformats.org/officeDocument/2006/relationships" xmlns:p="http://schemas.openxmlformats.org/presentationml/2006/main">
-  <p:cSld>
-    <p:spTree>
-      <p:nvGrpSpPr>
-        <p:cNvPr id="1" name=""/>
-        <p:cNvGrpSpPr/>
-        <p:nvPr/>
-      </p:nvGrpSpPr>
-      <p:grpSpPr>
-        <a:xfrm>
-          <a:off x="0" y="0"/>
-          <a:ext cx="0" cy="0"/>
-          <a:chOff x="0" y="0"/>
-          <a:chExt cx="0" cy="0"/>
-        </a:xfrm>
-      </p:grpSpPr>
-      <p:sp>
-        <p:nvSpPr>
-          <p:cNvPr id="2" name="Заголовок 1"/>
-          <p:cNvSpPr>
-            <a:spLocks noGrp="1"/>
-          </p:cNvSpPr>
-          <p:nvPr>
-            <p:ph type="title"/>
-          </p:nvPr>
-        </p:nvSpPr>
-        <p:spPr/>
-        <p:txBody>
-          <a:bodyPr/>
-          <a:lstStyle/>
-          <a:p>
-            <a:r>
-              <a:rPr lang="ru-RU" dirty="0" smtClean="0"/>
-              <a:t>Целевое действие-покупка товара</a:t>
-            </a:r>
-            <a:endParaRPr lang="ru-RU" dirty="0"/>
-          </a:p>
-        </p:txBody>
-      </p:sp>
-      <p:sp>
-        <p:nvSpPr>
-          <p:cNvPr id="3" name="Объект 2"/>
-          <p:cNvSpPr>
-            <a:spLocks noGrp="1"/>
-          </p:cNvSpPr>
-          <p:nvPr>
-            <p:ph idx="1"/>
-          </p:nvPr>
-        </p:nvSpPr>
-        <p:spPr/>
-        <p:txBody>
-          <a:bodyPr/>
-          <a:lstStyle/>
-          <a:p>
-            <a:pPr marL="0" indent="0">
-              <a:buNone/>
-            </a:pPr>
-            <a:r>
-              <a:rPr lang="ru-RU" dirty="0" smtClean="0"/>
-              <a:t>Так как у нас интернет магазин наша задача-продавать товар!</a:t>
-            </a:r>
-            <a:endParaRPr lang="ru-RU" dirty="0"/>
-          </a:p>
-        </p:txBody>
-      </p:sp>
-    </p:spTree>
-    <p:extLst>
-      <p:ext uri="{BB962C8B-B14F-4D97-AF65-F5344CB8AC3E}">
-        <p14:creationId xmlns:p14="http://schemas.microsoft.com/office/powerpoint/2010/main" val="1997323349"/>
-      </p:ext>
-    </p:extLst>
-  </p:cSld>
-  <p:clrMapOvr>
-    <a:masterClrMapping/>
-  </p:clrMapOvr>
-  <p:transition>
-    <p:push dir="u"/>
-  </p:transition>
-  <p:timing>
-    <p:tnLst>
-      <p:par>
-        <p:cTn id="1" dur="indefinite" restart="never" nodeType="tmRoot"/>
-      </p:par>
-    </p:tnLst>
-  </p:timing>
-</p:sld>
-</file>
-
-<file path=ppt/slides/slide5.xml><?xml version="1.0" encoding="utf-8"?>
-<p:sld xmlns:a="http://schemas.openxmlformats.org/drawingml/2006/main" xmlns:r="http://schemas.openxmlformats.org/officeDocument/2006/relationships" xmlns:p="http://schemas.openxmlformats.org/presentationml/2006/main">
-  <p:cSld>
-    <p:spTree>
-      <p:nvGrpSpPr>
-        <p:cNvPr id="1" name=""/>
-        <p:cNvGrpSpPr/>
-        <p:nvPr/>
-      </p:nvGrpSpPr>
-      <p:grpSpPr>
-        <a:xfrm>
-          <a:off x="0" y="0"/>
-          <a:ext cx="0" cy="0"/>
-          <a:chOff x="0" y="0"/>
-          <a:chExt cx="0" cy="0"/>
-        </a:xfrm>
-      </p:grpSpPr>
-      <p:sp>
-        <p:nvSpPr>
-          <p:cNvPr id="2" name="Заголовок 1"/>
-          <p:cNvSpPr>
-            <a:spLocks noGrp="1"/>
-          </p:cNvSpPr>
-          <p:nvPr>
-            <p:ph type="title"/>
-          </p:nvPr>
-        </p:nvSpPr>
-        <p:spPr/>
-        <p:txBody>
-          <a:bodyPr/>
-          <a:lstStyle/>
-          <a:p>
-            <a:r>
-              <a:rPr lang="ru-RU" dirty="0" smtClean="0"/>
-              <a:t>Целевая аудитория</a:t>
-            </a:r>
-            <a:endParaRPr lang="ru-RU" dirty="0"/>
-          </a:p>
-        </p:txBody>
-      </p:sp>
-      <p:sp>
-        <p:nvSpPr>
-          <p:cNvPr id="3" name="Объект 2"/>
-          <p:cNvSpPr>
-            <a:spLocks noGrp="1"/>
-          </p:cNvSpPr>
-          <p:nvPr>
-            <p:ph idx="1"/>
-          </p:nvPr>
-        </p:nvSpPr>
-        <p:spPr/>
-        <p:txBody>
-          <a:bodyPr/>
-          <a:lstStyle/>
-          <a:p>
-            <a:r>
-              <a:rPr lang="ru-RU" dirty="0" smtClean="0"/>
-              <a:t>Люди увлекающиеся дайвингом</a:t>
-            </a:r>
-          </a:p>
-          <a:p>
-            <a:r>
-              <a:rPr lang="ru-RU" dirty="0" smtClean="0"/>
-              <a:t>Курорты</a:t>
-            </a:r>
-          </a:p>
-          <a:p>
-            <a:r>
-              <a:rPr lang="ru-RU" dirty="0" smtClean="0"/>
-              <a:t>Дайвинг центры</a:t>
-            </a:r>
-          </a:p>
-          <a:p>
-            <a:r>
-              <a:rPr lang="ru-RU" dirty="0" smtClean="0"/>
-              <a:t>Владельцы яхт и лодок</a:t>
-            </a:r>
-            <a:endParaRPr lang="ru-RU" dirty="0"/>
-          </a:p>
-        </p:txBody>
-      </p:sp>
-    </p:spTree>
-    <p:extLst>
-      <p:ext uri="{BB962C8B-B14F-4D97-AF65-F5344CB8AC3E}">
-        <p14:creationId xmlns:p14="http://schemas.microsoft.com/office/powerpoint/2010/main" val="2926828908"/>
-      </p:ext>
-    </p:extLst>
-  </p:cSld>
-  <p:clrMapOvr>
-    <a:masterClrMapping/>
-  </p:clrMapOvr>
-  <p:transition>
-    <p:push dir="u"/>
-  </p:transition>
-  <p:timing>
-    <p:tnLst>
-      <p:par>
-        <p:cTn id="1" dur="indefinite" restart="never" nodeType="tmRoot"/>
-      </p:par>
-    </p:tnLst>
-  </p:timing>
-</p:sld>
-</file>
-
-<file path=ppt/slides/slide6.xml><?xml version="1.0" encoding="utf-8"?>
-<p:sld xmlns:a="http://schemas.openxmlformats.org/drawingml/2006/main" xmlns:r="http://schemas.openxmlformats.org/officeDocument/2006/relationships" xmlns:p="http://schemas.openxmlformats.org/presentationml/2006/main">
-  <p:cSld>
-    <p:spTree>
-      <p:nvGrpSpPr>
-        <p:cNvPr id="1" name=""/>
-        <p:cNvGrpSpPr/>
-        <p:nvPr/>
-      </p:nvGrpSpPr>
-      <p:grpSpPr>
-        <a:xfrm>
-          <a:off x="0" y="0"/>
-          <a:ext cx="0" cy="0"/>
-          <a:chOff x="0" y="0"/>
-          <a:chExt cx="0" cy="0"/>
-        </a:xfrm>
-      </p:grpSpPr>
-      <p:sp>
-        <p:nvSpPr>
-          <p:cNvPr id="2" name="Заголовок 1"/>
-          <p:cNvSpPr>
-            <a:spLocks noGrp="1"/>
-          </p:cNvSpPr>
-          <p:nvPr>
-            <p:ph type="title"/>
-          </p:nvPr>
-        </p:nvSpPr>
-        <p:spPr/>
-        <p:txBody>
-          <a:bodyPr/>
-          <a:lstStyle/>
-          <a:p>
-            <a:r>
-              <a:rPr lang="ru-RU" dirty="0" smtClean="0"/>
-              <a:t>Предполагаемый покупатель</a:t>
-            </a:r>
-            <a:endParaRPr lang="ru-RU" dirty="0"/>
-          </a:p>
-        </p:txBody>
-      </p:sp>
-      <p:sp>
-        <p:nvSpPr>
-          <p:cNvPr id="3" name="Объект 2"/>
-          <p:cNvSpPr>
-            <a:spLocks noGrp="1"/>
-          </p:cNvSpPr>
-          <p:nvPr>
-            <p:ph idx="1"/>
-          </p:nvPr>
-        </p:nvSpPr>
-        <p:spPr/>
-        <p:txBody>
-          <a:bodyPr/>
-          <a:lstStyle/>
-          <a:p>
-            <a:r>
-              <a:rPr lang="ru-RU" dirty="0" smtClean="0"/>
-              <a:t>ФИО-Пастухов Евгений Борисович</a:t>
-            </a:r>
-          </a:p>
-          <a:p>
-            <a:r>
-              <a:rPr lang="ru-RU" dirty="0" smtClean="0"/>
-              <a:t>Возраст-22 года</a:t>
-            </a:r>
-          </a:p>
-          <a:p>
-            <a:r>
-              <a:rPr lang="ru-RU" dirty="0" smtClean="0"/>
-              <a:t>Работа-инструктор дайв-центра</a:t>
-            </a:r>
-          </a:p>
-          <a:p>
-            <a:r>
-              <a:rPr lang="ru-RU" dirty="0" smtClean="0"/>
-              <a:t>Доход-120000</a:t>
-            </a:r>
-            <a:endParaRPr lang="ru-RU" dirty="0"/>
-          </a:p>
-        </p:txBody>
-      </p:sp>
-    </p:spTree>
-    <p:extLst>
-      <p:ext uri="{BB962C8B-B14F-4D97-AF65-F5344CB8AC3E}">
-        <p14:creationId xmlns:p14="http://schemas.microsoft.com/office/powerpoint/2010/main" val="1097029091"/>
-      </p:ext>
-    </p:extLst>
-  </p:cSld>
-  <p:clrMapOvr>
-    <a:masterClrMapping/>
-  </p:clrMapOvr>
-  <p:transition>
-    <p:push dir="u"/>
-  </p:transition>
-  <p:timing>
-    <p:tnLst>
-      <p:par>
-        <p:cTn id="1" dur="indefinite" restart="never" nodeType="tmRoot"/>
-      </p:par>
-    </p:tnLst>
-  </p:timing>
-</p:sld>
-</file>
-
-<file path=ppt/slides/slide7.xml><?xml version="1.0" encoding="utf-8"?>
-<p:sld xmlns:a="http://schemas.openxmlformats.org/drawingml/2006/main" xmlns:r="http://schemas.openxmlformats.org/officeDocument/2006/relationships" xmlns:p="http://schemas.openxmlformats.org/presentationml/2006/main">
-  <p:cSld>
-    <p:spTree>
-      <p:nvGrpSpPr>
-        <p:cNvPr id="1" name=""/>
-        <p:cNvGrpSpPr/>
-        <p:nvPr/>
-      </p:nvGrpSpPr>
-      <p:grpSpPr>
-        <a:xfrm>
-          <a:off x="0" y="0"/>
-          <a:ext cx="0" cy="0"/>
-          <a:chOff x="0" y="0"/>
-          <a:chExt cx="0" cy="0"/>
-        </a:xfrm>
-      </p:grpSpPr>
-      <p:sp>
-        <p:nvSpPr>
-          <p:cNvPr id="2" name="Заголовок 1"/>
-          <p:cNvSpPr>
-            <a:spLocks noGrp="1"/>
-          </p:cNvSpPr>
-          <p:nvPr>
-            <p:ph type="title"/>
-          </p:nvPr>
-        </p:nvSpPr>
-        <p:spPr/>
-        <p:txBody>
-          <a:bodyPr/>
-          <a:lstStyle/>
-          <a:p>
-            <a:r>
-              <a:rPr lang="ru-RU" dirty="0" smtClean="0"/>
-              <a:t>Конкуренты</a:t>
-            </a:r>
-            <a:endParaRPr lang="ru-RU" dirty="0"/>
-          </a:p>
-        </p:txBody>
-      </p:sp>
-      <p:sp>
-        <p:nvSpPr>
-          <p:cNvPr id="3" name="Объект 2"/>
-          <p:cNvSpPr>
-            <a:spLocks noGrp="1"/>
-          </p:cNvSpPr>
-          <p:nvPr>
-            <p:ph idx="1"/>
-          </p:nvPr>
-        </p:nvSpPr>
-        <p:spPr/>
-        <p:txBody>
-          <a:bodyPr/>
-          <a:lstStyle/>
-          <a:p>
-            <a:r>
-              <a:rPr lang="ru-RU" dirty="0" smtClean="0"/>
-              <a:t>Дайв Скуба-плюсы-удобная система покупки-</a:t>
-            </a:r>
-          </a:p>
-          <a:p>
-            <a:r>
-              <a:rPr lang="ru-RU" dirty="0" smtClean="0"/>
-              <a:t>Минусы-плохой дизайн</a:t>
-            </a:r>
-          </a:p>
-          <a:p>
-            <a:r>
-              <a:rPr lang="ru-RU" dirty="0" smtClean="0"/>
-              <a:t>Кашалот-плюсов нет</a:t>
-            </a:r>
-          </a:p>
-          <a:p>
-            <a:r>
-              <a:rPr lang="ru-RU" dirty="0"/>
-              <a:t>М</a:t>
-            </a:r>
-            <a:r>
-              <a:rPr lang="ru-RU" dirty="0" smtClean="0"/>
-              <a:t>инусы-неудобный сайт</a:t>
-            </a:r>
-          </a:p>
-          <a:p>
-            <a:r>
-              <a:rPr lang="ru-RU" dirty="0" smtClean="0"/>
-              <a:t>Батискаф-плюсы-удобная система покупки красивый сайт</a:t>
-            </a:r>
-          </a:p>
-          <a:p>
-            <a:r>
-              <a:rPr lang="ru-RU" dirty="0" smtClean="0"/>
-              <a:t>Минусы-не заметил</a:t>
-            </a:r>
-            <a:endParaRPr lang="ru-RU" dirty="0"/>
-          </a:p>
-        </p:txBody>
-      </p:sp>
-    </p:spTree>
-    <p:extLst>
-      <p:ext uri="{BB962C8B-B14F-4D97-AF65-F5344CB8AC3E}">
-        <p14:creationId xmlns:p14="http://schemas.microsoft.com/office/powerpoint/2010/main" val="3754263227"/>
-      </p:ext>
-    </p:extLst>
-  </p:cSld>
-  <p:clrMapOvr>
-    <a:masterClrMapping/>
-  </p:clrMapOvr>
-  <p:transition>
-    <p:push dir="u"/>
-  </p:transition>
-  <p:timing>
-    <p:tnLst>
-      <p:par>
-        <p:cTn id="1" dur="indefinite" restart="never" nodeType="tmRoot"/>
-      </p:par>
-    </p:tnLst>
-  </p:timing>
-</p:sld>
-</file>
-
-<file path=ppt/slides/slide8.xml><?xml version="1.0" encoding="utf-8"?>
-<p:sld xmlns:a="http://schemas.openxmlformats.org/drawingml/2006/main" xmlns:r="http://schemas.openxmlformats.org/officeDocument/2006/relationships" xmlns:p="http://schemas.openxmlformats.org/presentationml/2006/main">
-  <p:cSld>
-    <p:spTree>
-      <p:nvGrpSpPr>
-        <p:cNvPr id="1" name=""/>
-        <p:cNvGrpSpPr/>
-        <p:nvPr/>
-      </p:nvGrpSpPr>
-      <p:grpSpPr>
-        <a:xfrm>
-          <a:off x="0" y="0"/>
-          <a:ext cx="0" cy="0"/>
-          <a:chOff x="0" y="0"/>
-          <a:chExt cx="0" cy="0"/>
-        </a:xfrm>
-      </p:grpSpPr>
-      <p:sp>
-        <p:nvSpPr>
-          <p:cNvPr id="2" name="Заголовок 1"/>
-          <p:cNvSpPr>
-            <a:spLocks noGrp="1"/>
-          </p:cNvSpPr>
-          <p:nvPr>
-            <p:ph type="title"/>
-          </p:nvPr>
-        </p:nvSpPr>
-        <p:spPr/>
-        <p:txBody>
-          <a:bodyPr/>
-          <a:lstStyle/>
-          <a:p>
-            <a:r>
-              <a:rPr lang="ru-RU" dirty="0" smtClean="0"/>
               <a:t>ЦВЕТ-</a:t>
             </a:r>
             <a:r>
@@ -3991,7 +3244,7 @@
 </p:sld>
 </file>
 
-<file path=ppt/slides/slide9.xml><?xml version="1.0" encoding="utf-8"?>
+<file path=ppt/slides/slide11.xml><?xml version="1.0" encoding="utf-8"?>
 <p:sld xmlns:a="http://schemas.openxmlformats.org/drawingml/2006/main" xmlns:r="http://schemas.openxmlformats.org/officeDocument/2006/relationships" xmlns:p="http://schemas.openxmlformats.org/presentationml/2006/main">
   <p:cSld>
     <p:spTree>
@@ -4214,6 +3467,998 @@
     <p:extLst>
       <p:ext uri="{BB962C8B-B14F-4D97-AF65-F5344CB8AC3E}">
         <p14:creationId xmlns:p14="http://schemas.microsoft.com/office/powerpoint/2010/main" val="639329334"/>
+      </p:ext>
+    </p:extLst>
+  </p:cSld>
+  <p:clrMapOvr>
+    <a:masterClrMapping/>
+  </p:clrMapOvr>
+  <p:transition>
+    <p:push dir="u"/>
+  </p:transition>
+  <p:timing>
+    <p:tnLst>
+      <p:par>
+        <p:cTn id="1" dur="indefinite" restart="never" nodeType="tmRoot"/>
+      </p:par>
+    </p:tnLst>
+  </p:timing>
+</p:sld>
+</file>
+
+<file path=ppt/slides/slide12.xml><?xml version="1.0" encoding="utf-8"?>
+<p:sld xmlns:a="http://schemas.openxmlformats.org/drawingml/2006/main" xmlns:r="http://schemas.openxmlformats.org/officeDocument/2006/relationships" xmlns:p="http://schemas.openxmlformats.org/presentationml/2006/main">
+  <p:cSld>
+    <p:spTree>
+      <p:nvGrpSpPr>
+        <p:cNvPr id="1" name=""/>
+        <p:cNvGrpSpPr/>
+        <p:nvPr/>
+      </p:nvGrpSpPr>
+      <p:grpSpPr>
+        <a:xfrm>
+          <a:off x="0" y="0"/>
+          <a:ext cx="0" cy="0"/>
+          <a:chOff x="0" y="0"/>
+          <a:chExt cx="0" cy="0"/>
+        </a:xfrm>
+      </p:grpSpPr>
+      <p:sp>
+        <p:nvSpPr>
+          <p:cNvPr id="2" name="Заголовок 1"/>
+          <p:cNvSpPr>
+            <a:spLocks noGrp="1"/>
+          </p:cNvSpPr>
+          <p:nvPr>
+            <p:ph type="title"/>
+          </p:nvPr>
+        </p:nvSpPr>
+        <p:spPr/>
+        <p:txBody>
+          <a:bodyPr/>
+          <a:lstStyle/>
+          <a:p>
+            <a:r>
+              <a:rPr lang="ru-RU" dirty="0" smtClean="0"/>
+              <a:t>Макет</a:t>
+            </a:r>
+            <a:endParaRPr lang="ru-RU" dirty="0"/>
+          </a:p>
+        </p:txBody>
+      </p:sp>
+      <p:pic>
+        <p:nvPicPr>
+          <p:cNvPr id="4" name="Объект 3"/>
+          <p:cNvPicPr>
+            <a:picLocks noGrp="1" noChangeAspect="1"/>
+          </p:cNvPicPr>
+          <p:nvPr>
+            <p:ph idx="1"/>
+          </p:nvPr>
+        </p:nvPicPr>
+        <p:blipFill>
+          <a:blip r:embed="rId2"/>
+          <a:stretch>
+            <a:fillRect/>
+          </a:stretch>
+        </p:blipFill>
+        <p:spPr>
+          <a:xfrm>
+            <a:off x="2896497" y="0"/>
+            <a:ext cx="8149039" cy="6858000"/>
+          </a:xfrm>
+          <a:prstGeom prst="rect">
+            <a:avLst/>
+          </a:prstGeom>
+        </p:spPr>
+      </p:pic>
+    </p:spTree>
+    <p:extLst>
+      <p:ext uri="{BB962C8B-B14F-4D97-AF65-F5344CB8AC3E}">
+        <p14:creationId xmlns:p14="http://schemas.microsoft.com/office/powerpoint/2010/main" val="3876534583"/>
+      </p:ext>
+    </p:extLst>
+  </p:cSld>
+  <p:clrMapOvr>
+    <a:masterClrMapping/>
+  </p:clrMapOvr>
+  <p:transition>
+    <p:push dir="u"/>
+  </p:transition>
+  <p:timing>
+    <p:tnLst>
+      <p:par>
+        <p:cTn id="1" dur="indefinite" restart="never" nodeType="tmRoot"/>
+      </p:par>
+    </p:tnLst>
+  </p:timing>
+</p:sld>
+</file>
+
+<file path=ppt/slides/slide13.xml><?xml version="1.0" encoding="utf-8"?>
+<p:sld xmlns:a="http://schemas.openxmlformats.org/drawingml/2006/main" xmlns:r="http://schemas.openxmlformats.org/officeDocument/2006/relationships" xmlns:p="http://schemas.openxmlformats.org/presentationml/2006/main">
+  <p:cSld>
+    <p:spTree>
+      <p:nvGrpSpPr>
+        <p:cNvPr id="1" name=""/>
+        <p:cNvGrpSpPr/>
+        <p:nvPr/>
+      </p:nvGrpSpPr>
+      <p:grpSpPr>
+        <a:xfrm>
+          <a:off x="0" y="0"/>
+          <a:ext cx="0" cy="0"/>
+          <a:chOff x="0" y="0"/>
+          <a:chExt cx="0" cy="0"/>
+        </a:xfrm>
+      </p:grpSpPr>
+      <p:sp>
+        <p:nvSpPr>
+          <p:cNvPr id="2" name="Заголовок 1"/>
+          <p:cNvSpPr>
+            <a:spLocks noGrp="1"/>
+          </p:cNvSpPr>
+          <p:nvPr>
+            <p:ph type="title"/>
+          </p:nvPr>
+        </p:nvSpPr>
+        <p:spPr/>
+        <p:txBody>
+          <a:bodyPr/>
+          <a:lstStyle/>
+          <a:p>
+            <a:r>
+              <a:rPr lang="ru-RU" dirty="0" smtClean="0"/>
+              <a:t>Окончательная версия(практически)</a:t>
+            </a:r>
+            <a:endParaRPr lang="ru-RU" dirty="0"/>
+          </a:p>
+        </p:txBody>
+      </p:sp>
+    </p:spTree>
+    <p:extLst>
+      <p:ext uri="{BB962C8B-B14F-4D97-AF65-F5344CB8AC3E}">
+        <p14:creationId xmlns:p14="http://schemas.microsoft.com/office/powerpoint/2010/main" val="1115990679"/>
+      </p:ext>
+    </p:extLst>
+  </p:cSld>
+  <p:clrMapOvr>
+    <a:masterClrMapping/>
+  </p:clrMapOvr>
+  <p:transition>
+    <p:push dir="u"/>
+  </p:transition>
+  <p:timing>
+    <p:tnLst>
+      <p:par>
+        <p:cTn id="1" dur="indefinite" restart="never" nodeType="tmRoot"/>
+      </p:par>
+    </p:tnLst>
+  </p:timing>
+</p:sld>
+</file>
+
+<file path=ppt/slides/slide2.xml><?xml version="1.0" encoding="utf-8"?>
+<p:sld xmlns:a="http://schemas.openxmlformats.org/drawingml/2006/main" xmlns:r="http://schemas.openxmlformats.org/officeDocument/2006/relationships" xmlns:p="http://schemas.openxmlformats.org/presentationml/2006/main">
+  <p:cSld>
+    <p:spTree>
+      <p:nvGrpSpPr>
+        <p:cNvPr id="1" name=""/>
+        <p:cNvGrpSpPr/>
+        <p:nvPr/>
+      </p:nvGrpSpPr>
+      <p:grpSpPr>
+        <a:xfrm>
+          <a:off x="0" y="0"/>
+          <a:ext cx="0" cy="0"/>
+          <a:chOff x="0" y="0"/>
+          <a:chExt cx="0" cy="0"/>
+        </a:xfrm>
+      </p:grpSpPr>
+      <p:sp>
+        <p:nvSpPr>
+          <p:cNvPr id="2" name="Заголовок 1"/>
+          <p:cNvSpPr>
+            <a:spLocks noGrp="1"/>
+          </p:cNvSpPr>
+          <p:nvPr>
+            <p:ph type="title"/>
+          </p:nvPr>
+        </p:nvSpPr>
+        <p:spPr/>
+        <p:txBody>
+          <a:bodyPr/>
+          <a:lstStyle/>
+          <a:p>
+            <a:r>
+              <a:rPr lang="ru-RU" dirty="0" err="1" smtClean="0"/>
+              <a:t>Тз</a:t>
+            </a:r>
+            <a:endParaRPr lang="ru-RU" dirty="0"/>
+          </a:p>
+        </p:txBody>
+      </p:sp>
+      <p:pic>
+        <p:nvPicPr>
+          <p:cNvPr id="5" name="Рисунок 4"/>
+          <p:cNvPicPr>
+            <a:picLocks noChangeAspect="1"/>
+          </p:cNvPicPr>
+          <p:nvPr/>
+        </p:nvPicPr>
+        <p:blipFill>
+          <a:blip r:embed="rId2"/>
+          <a:stretch>
+            <a:fillRect/>
+          </a:stretch>
+        </p:blipFill>
+        <p:spPr>
+          <a:xfrm>
+            <a:off x="3300845" y="365125"/>
+            <a:ext cx="6497782" cy="6331172"/>
+          </a:xfrm>
+          <a:prstGeom prst="rect">
+            <a:avLst/>
+          </a:prstGeom>
+        </p:spPr>
+      </p:pic>
+    </p:spTree>
+    <p:extLst>
+      <p:ext uri="{BB962C8B-B14F-4D97-AF65-F5344CB8AC3E}">
+        <p14:creationId xmlns:p14="http://schemas.microsoft.com/office/powerpoint/2010/main" val="3415176734"/>
+      </p:ext>
+    </p:extLst>
+  </p:cSld>
+  <p:clrMapOvr>
+    <a:masterClrMapping/>
+  </p:clrMapOvr>
+  <p:transition>
+    <p:push dir="u"/>
+  </p:transition>
+  <p:timing>
+    <p:tnLst>
+      <p:par>
+        <p:cTn id="1" dur="indefinite" restart="never" nodeType="tmRoot"/>
+      </p:par>
+    </p:tnLst>
+  </p:timing>
+</p:sld>
+</file>
+
+<file path=ppt/slides/slide3.xml><?xml version="1.0" encoding="utf-8"?>
+<p:sld xmlns:a="http://schemas.openxmlformats.org/drawingml/2006/main" xmlns:r="http://schemas.openxmlformats.org/officeDocument/2006/relationships" xmlns:p="http://schemas.openxmlformats.org/presentationml/2006/main">
+  <p:cSld>
+    <p:spTree>
+      <p:nvGrpSpPr>
+        <p:cNvPr id="1" name=""/>
+        <p:cNvGrpSpPr/>
+        <p:nvPr/>
+      </p:nvGrpSpPr>
+      <p:grpSpPr>
+        <a:xfrm>
+          <a:off x="0" y="0"/>
+          <a:ext cx="0" cy="0"/>
+          <a:chOff x="0" y="0"/>
+          <a:chExt cx="0" cy="0"/>
+        </a:xfrm>
+      </p:grpSpPr>
+      <p:sp>
+        <p:nvSpPr>
+          <p:cNvPr id="2" name="Заголовок 1"/>
+          <p:cNvSpPr>
+            <a:spLocks noGrp="1"/>
+          </p:cNvSpPr>
+          <p:nvPr>
+            <p:ph type="title"/>
+          </p:nvPr>
+        </p:nvSpPr>
+        <p:spPr/>
+        <p:txBody>
+          <a:bodyPr/>
+          <a:lstStyle/>
+          <a:p>
+            <a:r>
+              <a:rPr lang="ru-RU" dirty="0" smtClean="0"/>
+              <a:t>Цель-увеличить поток клиентов  </a:t>
+            </a:r>
+            <a:endParaRPr lang="ru-RU" dirty="0"/>
+          </a:p>
+        </p:txBody>
+      </p:sp>
+      <p:sp>
+        <p:nvSpPr>
+          <p:cNvPr id="3" name="Объект 2"/>
+          <p:cNvSpPr>
+            <a:spLocks noGrp="1"/>
+          </p:cNvSpPr>
+          <p:nvPr>
+            <p:ph idx="1"/>
+          </p:nvPr>
+        </p:nvSpPr>
+        <p:spPr/>
+        <p:txBody>
+          <a:bodyPr/>
+          <a:lstStyle/>
+          <a:p>
+            <a:pPr marL="0" indent="0">
+              <a:buNone/>
+            </a:pPr>
+            <a:r>
+              <a:rPr lang="ru-RU" dirty="0" smtClean="0"/>
+              <a:t>Увеличение потока клиентов позволит продавать больше товара и соответственно увеличит прибыль магазина</a:t>
+            </a:r>
+            <a:r>
+              <a:rPr lang="en-US" dirty="0" smtClean="0"/>
+              <a:t>.</a:t>
+            </a:r>
+            <a:endParaRPr lang="ru-RU" dirty="0"/>
+          </a:p>
+        </p:txBody>
+      </p:sp>
+    </p:spTree>
+    <p:extLst>
+      <p:ext uri="{BB962C8B-B14F-4D97-AF65-F5344CB8AC3E}">
+        <p14:creationId xmlns:p14="http://schemas.microsoft.com/office/powerpoint/2010/main" val="1631910176"/>
+      </p:ext>
+    </p:extLst>
+  </p:cSld>
+  <p:clrMapOvr>
+    <a:masterClrMapping/>
+  </p:clrMapOvr>
+  <p:transition>
+    <p:push dir="u"/>
+  </p:transition>
+  <p:timing>
+    <p:tnLst>
+      <p:par>
+        <p:cTn id="1" dur="indefinite" restart="never" nodeType="tmRoot"/>
+      </p:par>
+    </p:tnLst>
+  </p:timing>
+</p:sld>
+</file>
+
+<file path=ppt/slides/slide4.xml><?xml version="1.0" encoding="utf-8"?>
+<p:sld xmlns:a="http://schemas.openxmlformats.org/drawingml/2006/main" xmlns:r="http://schemas.openxmlformats.org/officeDocument/2006/relationships" xmlns:p="http://schemas.openxmlformats.org/presentationml/2006/main">
+  <p:cSld>
+    <p:spTree>
+      <p:nvGrpSpPr>
+        <p:cNvPr id="1" name=""/>
+        <p:cNvGrpSpPr/>
+        <p:nvPr/>
+      </p:nvGrpSpPr>
+      <p:grpSpPr>
+        <a:xfrm>
+          <a:off x="0" y="0"/>
+          <a:ext cx="0" cy="0"/>
+          <a:chOff x="0" y="0"/>
+          <a:chExt cx="0" cy="0"/>
+        </a:xfrm>
+      </p:grpSpPr>
+      <p:sp>
+        <p:nvSpPr>
+          <p:cNvPr id="2" name="Заголовок 1"/>
+          <p:cNvSpPr>
+            <a:spLocks noGrp="1"/>
+          </p:cNvSpPr>
+          <p:nvPr>
+            <p:ph type="title"/>
+          </p:nvPr>
+        </p:nvSpPr>
+        <p:spPr/>
+        <p:txBody>
+          <a:bodyPr/>
+          <a:lstStyle/>
+          <a:p>
+            <a:r>
+              <a:rPr lang="ru-RU" dirty="0" smtClean="0"/>
+              <a:t>Целевое действие-покупка товара</a:t>
+            </a:r>
+            <a:endParaRPr lang="ru-RU" dirty="0"/>
+          </a:p>
+        </p:txBody>
+      </p:sp>
+      <p:sp>
+        <p:nvSpPr>
+          <p:cNvPr id="3" name="Объект 2"/>
+          <p:cNvSpPr>
+            <a:spLocks noGrp="1"/>
+          </p:cNvSpPr>
+          <p:nvPr>
+            <p:ph idx="1"/>
+          </p:nvPr>
+        </p:nvSpPr>
+        <p:spPr/>
+        <p:txBody>
+          <a:bodyPr/>
+          <a:lstStyle/>
+          <a:p>
+            <a:pPr marL="0" indent="0">
+              <a:buNone/>
+            </a:pPr>
+            <a:r>
+              <a:rPr lang="ru-RU" dirty="0" smtClean="0"/>
+              <a:t>Так как у нас интернет магазин наша задача-продавать товар!</a:t>
+            </a:r>
+            <a:endParaRPr lang="ru-RU" dirty="0"/>
+          </a:p>
+        </p:txBody>
+      </p:sp>
+    </p:spTree>
+    <p:extLst>
+      <p:ext uri="{BB962C8B-B14F-4D97-AF65-F5344CB8AC3E}">
+        <p14:creationId xmlns:p14="http://schemas.microsoft.com/office/powerpoint/2010/main" val="1997323349"/>
+      </p:ext>
+    </p:extLst>
+  </p:cSld>
+  <p:clrMapOvr>
+    <a:masterClrMapping/>
+  </p:clrMapOvr>
+  <p:transition>
+    <p:push dir="u"/>
+  </p:transition>
+  <p:timing>
+    <p:tnLst>
+      <p:par>
+        <p:cTn id="1" dur="indefinite" restart="never" nodeType="tmRoot"/>
+      </p:par>
+    </p:tnLst>
+  </p:timing>
+</p:sld>
+</file>
+
+<file path=ppt/slides/slide5.xml><?xml version="1.0" encoding="utf-8"?>
+<p:sld xmlns:a="http://schemas.openxmlformats.org/drawingml/2006/main" xmlns:r="http://schemas.openxmlformats.org/officeDocument/2006/relationships" xmlns:p="http://schemas.openxmlformats.org/presentationml/2006/main">
+  <p:cSld>
+    <p:spTree>
+      <p:nvGrpSpPr>
+        <p:cNvPr id="1" name=""/>
+        <p:cNvGrpSpPr/>
+        <p:nvPr/>
+      </p:nvGrpSpPr>
+      <p:grpSpPr>
+        <a:xfrm>
+          <a:off x="0" y="0"/>
+          <a:ext cx="0" cy="0"/>
+          <a:chOff x="0" y="0"/>
+          <a:chExt cx="0" cy="0"/>
+        </a:xfrm>
+      </p:grpSpPr>
+      <p:sp>
+        <p:nvSpPr>
+          <p:cNvPr id="2" name="Заголовок 1"/>
+          <p:cNvSpPr>
+            <a:spLocks noGrp="1"/>
+          </p:cNvSpPr>
+          <p:nvPr>
+            <p:ph type="title"/>
+          </p:nvPr>
+        </p:nvSpPr>
+        <p:spPr/>
+        <p:txBody>
+          <a:bodyPr/>
+          <a:lstStyle/>
+          <a:p>
+            <a:r>
+              <a:rPr lang="ru-RU" dirty="0" smtClean="0"/>
+              <a:t>Целевая аудитория</a:t>
+            </a:r>
+            <a:endParaRPr lang="ru-RU" dirty="0"/>
+          </a:p>
+        </p:txBody>
+      </p:sp>
+      <p:sp>
+        <p:nvSpPr>
+          <p:cNvPr id="3" name="Объект 2"/>
+          <p:cNvSpPr>
+            <a:spLocks noGrp="1"/>
+          </p:cNvSpPr>
+          <p:nvPr>
+            <p:ph idx="1"/>
+          </p:nvPr>
+        </p:nvSpPr>
+        <p:spPr/>
+        <p:txBody>
+          <a:bodyPr/>
+          <a:lstStyle/>
+          <a:p>
+            <a:r>
+              <a:rPr lang="ru-RU" dirty="0" smtClean="0"/>
+              <a:t>Люди увлекающиеся дайвингом</a:t>
+            </a:r>
+          </a:p>
+          <a:p>
+            <a:r>
+              <a:rPr lang="ru-RU" dirty="0" smtClean="0"/>
+              <a:t>Курорты</a:t>
+            </a:r>
+          </a:p>
+          <a:p>
+            <a:r>
+              <a:rPr lang="ru-RU" dirty="0" smtClean="0"/>
+              <a:t>Дайвинг центры</a:t>
+            </a:r>
+          </a:p>
+          <a:p>
+            <a:r>
+              <a:rPr lang="ru-RU" dirty="0" smtClean="0"/>
+              <a:t>Владельцы яхт и лодок</a:t>
+            </a:r>
+            <a:endParaRPr lang="ru-RU" dirty="0"/>
+          </a:p>
+        </p:txBody>
+      </p:sp>
+    </p:spTree>
+    <p:extLst>
+      <p:ext uri="{BB962C8B-B14F-4D97-AF65-F5344CB8AC3E}">
+        <p14:creationId xmlns:p14="http://schemas.microsoft.com/office/powerpoint/2010/main" val="2926828908"/>
+      </p:ext>
+    </p:extLst>
+  </p:cSld>
+  <p:clrMapOvr>
+    <a:masterClrMapping/>
+  </p:clrMapOvr>
+  <p:transition>
+    <p:push dir="u"/>
+  </p:transition>
+  <p:timing>
+    <p:tnLst>
+      <p:par>
+        <p:cTn id="1" dur="indefinite" restart="never" nodeType="tmRoot"/>
+      </p:par>
+    </p:tnLst>
+  </p:timing>
+</p:sld>
+</file>
+
+<file path=ppt/slides/slide6.xml><?xml version="1.0" encoding="utf-8"?>
+<p:sld xmlns:a="http://schemas.openxmlformats.org/drawingml/2006/main" xmlns:r="http://schemas.openxmlformats.org/officeDocument/2006/relationships" xmlns:p="http://schemas.openxmlformats.org/presentationml/2006/main">
+  <p:cSld>
+    <p:spTree>
+      <p:nvGrpSpPr>
+        <p:cNvPr id="1" name=""/>
+        <p:cNvGrpSpPr/>
+        <p:nvPr/>
+      </p:nvGrpSpPr>
+      <p:grpSpPr>
+        <a:xfrm>
+          <a:off x="0" y="0"/>
+          <a:ext cx="0" cy="0"/>
+          <a:chOff x="0" y="0"/>
+          <a:chExt cx="0" cy="0"/>
+        </a:xfrm>
+      </p:grpSpPr>
+      <p:sp>
+        <p:nvSpPr>
+          <p:cNvPr id="2" name="Заголовок 1"/>
+          <p:cNvSpPr>
+            <a:spLocks noGrp="1"/>
+          </p:cNvSpPr>
+          <p:nvPr>
+            <p:ph type="title"/>
+          </p:nvPr>
+        </p:nvSpPr>
+        <p:spPr/>
+        <p:txBody>
+          <a:bodyPr/>
+          <a:lstStyle/>
+          <a:p>
+            <a:r>
+              <a:rPr lang="ru-RU" dirty="0" smtClean="0"/>
+              <a:t>Предполагаемый покупатель</a:t>
+            </a:r>
+            <a:endParaRPr lang="ru-RU" dirty="0"/>
+          </a:p>
+        </p:txBody>
+      </p:sp>
+      <p:sp>
+        <p:nvSpPr>
+          <p:cNvPr id="3" name="Объект 2"/>
+          <p:cNvSpPr>
+            <a:spLocks noGrp="1"/>
+          </p:cNvSpPr>
+          <p:nvPr>
+            <p:ph idx="1"/>
+          </p:nvPr>
+        </p:nvSpPr>
+        <p:spPr/>
+        <p:txBody>
+          <a:bodyPr/>
+          <a:lstStyle/>
+          <a:p>
+            <a:r>
+              <a:rPr lang="ru-RU" dirty="0" smtClean="0"/>
+              <a:t>ФИО-Пастухов Евгений Борисович</a:t>
+            </a:r>
+          </a:p>
+          <a:p>
+            <a:r>
+              <a:rPr lang="ru-RU" dirty="0" smtClean="0"/>
+              <a:t>Возраст-22 года</a:t>
+            </a:r>
+          </a:p>
+          <a:p>
+            <a:r>
+              <a:rPr lang="ru-RU" dirty="0" smtClean="0"/>
+              <a:t>Работа-инструктор дайв-центра</a:t>
+            </a:r>
+          </a:p>
+          <a:p>
+            <a:r>
+              <a:rPr lang="ru-RU" dirty="0" smtClean="0"/>
+              <a:t>Доход-120000</a:t>
+            </a:r>
+            <a:endParaRPr lang="ru-RU" dirty="0"/>
+          </a:p>
+        </p:txBody>
+      </p:sp>
+    </p:spTree>
+    <p:extLst>
+      <p:ext uri="{BB962C8B-B14F-4D97-AF65-F5344CB8AC3E}">
+        <p14:creationId xmlns:p14="http://schemas.microsoft.com/office/powerpoint/2010/main" val="1097029091"/>
+      </p:ext>
+    </p:extLst>
+  </p:cSld>
+  <p:clrMapOvr>
+    <a:masterClrMapping/>
+  </p:clrMapOvr>
+  <p:transition>
+    <p:push dir="u"/>
+  </p:transition>
+  <p:timing>
+    <p:tnLst>
+      <p:par>
+        <p:cTn id="1" dur="indefinite" restart="never" nodeType="tmRoot"/>
+      </p:par>
+    </p:tnLst>
+  </p:timing>
+</p:sld>
+</file>
+
+<file path=ppt/slides/slide7.xml><?xml version="1.0" encoding="utf-8"?>
+<p:sld xmlns:a="http://schemas.openxmlformats.org/drawingml/2006/main" xmlns:r="http://schemas.openxmlformats.org/officeDocument/2006/relationships" xmlns:p="http://schemas.openxmlformats.org/presentationml/2006/main">
+  <p:cSld>
+    <p:spTree>
+      <p:nvGrpSpPr>
+        <p:cNvPr id="1" name=""/>
+        <p:cNvGrpSpPr/>
+        <p:nvPr/>
+      </p:nvGrpSpPr>
+      <p:grpSpPr>
+        <a:xfrm>
+          <a:off x="0" y="0"/>
+          <a:ext cx="0" cy="0"/>
+          <a:chOff x="0" y="0"/>
+          <a:chExt cx="0" cy="0"/>
+        </a:xfrm>
+      </p:grpSpPr>
+      <p:sp>
+        <p:nvSpPr>
+          <p:cNvPr id="2" name="Заголовок 1"/>
+          <p:cNvSpPr>
+            <a:spLocks noGrp="1"/>
+          </p:cNvSpPr>
+          <p:nvPr>
+            <p:ph type="title"/>
+          </p:nvPr>
+        </p:nvSpPr>
+        <p:spPr/>
+        <p:txBody>
+          <a:bodyPr/>
+          <a:lstStyle/>
+          <a:p>
+            <a:r>
+              <a:rPr lang="ru-RU" dirty="0"/>
+              <a:t>Предполагаемый покупатель</a:t>
+            </a:r>
+          </a:p>
+        </p:txBody>
+      </p:sp>
+      <p:sp>
+        <p:nvSpPr>
+          <p:cNvPr id="3" name="Объект 2"/>
+          <p:cNvSpPr>
+            <a:spLocks noGrp="1"/>
+          </p:cNvSpPr>
+          <p:nvPr>
+            <p:ph idx="1"/>
+          </p:nvPr>
+        </p:nvSpPr>
+        <p:spPr/>
+        <p:txBody>
+          <a:bodyPr/>
+          <a:lstStyle/>
+          <a:p>
+            <a:r>
+              <a:rPr lang="ru-RU" dirty="0" smtClean="0"/>
+              <a:t>ФИО- </a:t>
+            </a:r>
+            <a:r>
+              <a:rPr lang="ru-RU" dirty="0" err="1" smtClean="0"/>
+              <a:t>Тиньков</a:t>
+            </a:r>
+            <a:r>
+              <a:rPr lang="ru-RU" smtClean="0"/>
+              <a:t> Олег </a:t>
+            </a:r>
+          </a:p>
+          <a:p>
+            <a:r>
+              <a:rPr lang="ru-RU" smtClean="0"/>
+              <a:t>Возраст-53 </a:t>
+            </a:r>
+            <a:r>
+              <a:rPr lang="ru-RU" dirty="0" smtClean="0"/>
+              <a:t>года</a:t>
+            </a:r>
+          </a:p>
+          <a:p>
+            <a:r>
+              <a:rPr lang="ru-RU" dirty="0" smtClean="0"/>
+              <a:t>Работа-бизнесмен и яхтсмен</a:t>
+            </a:r>
+          </a:p>
+          <a:p>
+            <a:r>
+              <a:rPr lang="ru-RU" dirty="0" smtClean="0"/>
+              <a:t>Доход-500 миллионов в месяц</a:t>
+            </a:r>
+          </a:p>
+          <a:p>
+            <a:endParaRPr lang="ru-RU" dirty="0" smtClean="0"/>
+          </a:p>
+          <a:p>
+            <a:endParaRPr lang="ru-RU" dirty="0" smtClean="0"/>
+          </a:p>
+          <a:p>
+            <a:endParaRPr lang="ru-RU" dirty="0" smtClean="0"/>
+          </a:p>
+          <a:p>
+            <a:endParaRPr lang="ru-RU" dirty="0"/>
+          </a:p>
+        </p:txBody>
+      </p:sp>
+    </p:spTree>
+    <p:extLst>
+      <p:ext uri="{BB962C8B-B14F-4D97-AF65-F5344CB8AC3E}">
+        <p14:creationId xmlns:p14="http://schemas.microsoft.com/office/powerpoint/2010/main" val="4128535703"/>
+      </p:ext>
+    </p:extLst>
+  </p:cSld>
+  <p:clrMapOvr>
+    <a:masterClrMapping/>
+  </p:clrMapOvr>
+  <p:transition>
+    <p:push dir="u"/>
+  </p:transition>
+  <p:timing>
+    <p:tnLst>
+      <p:par>
+        <p:cTn id="1" dur="indefinite" restart="never" nodeType="tmRoot"/>
+      </p:par>
+    </p:tnLst>
+  </p:timing>
+</p:sld>
+</file>
+
+<file path=ppt/slides/slide8.xml><?xml version="1.0" encoding="utf-8"?>
+<p:sld xmlns:a="http://schemas.openxmlformats.org/drawingml/2006/main" xmlns:r="http://schemas.openxmlformats.org/officeDocument/2006/relationships" xmlns:p="http://schemas.openxmlformats.org/presentationml/2006/main">
+  <p:cSld>
+    <p:spTree>
+      <p:nvGrpSpPr>
+        <p:cNvPr id="1" name=""/>
+        <p:cNvGrpSpPr/>
+        <p:nvPr/>
+      </p:nvGrpSpPr>
+      <p:grpSpPr>
+        <a:xfrm>
+          <a:off x="0" y="0"/>
+          <a:ext cx="0" cy="0"/>
+          <a:chOff x="0" y="0"/>
+          <a:chExt cx="0" cy="0"/>
+        </a:xfrm>
+      </p:grpSpPr>
+      <p:sp>
+        <p:nvSpPr>
+          <p:cNvPr id="2" name="Заголовок 1"/>
+          <p:cNvSpPr>
+            <a:spLocks noGrp="1"/>
+          </p:cNvSpPr>
+          <p:nvPr>
+            <p:ph type="title"/>
+          </p:nvPr>
+        </p:nvSpPr>
+        <p:spPr/>
+        <p:txBody>
+          <a:bodyPr/>
+          <a:lstStyle/>
+          <a:p>
+            <a:r>
+              <a:rPr lang="ru-RU" dirty="0"/>
+              <a:t>Предполагаемый покупатель</a:t>
+            </a:r>
+          </a:p>
+        </p:txBody>
+      </p:sp>
+      <p:sp>
+        <p:nvSpPr>
+          <p:cNvPr id="3" name="Объект 2"/>
+          <p:cNvSpPr>
+            <a:spLocks noGrp="1"/>
+          </p:cNvSpPr>
+          <p:nvPr>
+            <p:ph idx="1"/>
+          </p:nvPr>
+        </p:nvSpPr>
+        <p:spPr/>
+        <p:txBody>
+          <a:bodyPr/>
+          <a:lstStyle/>
+          <a:p>
+            <a:r>
+              <a:rPr lang="ru-RU" dirty="0" smtClean="0"/>
+              <a:t>ФИО-Абрамович </a:t>
+            </a:r>
+            <a:r>
+              <a:rPr lang="ru-RU" dirty="0"/>
+              <a:t>Роман Аркадьевич</a:t>
+            </a:r>
+          </a:p>
+          <a:p>
+            <a:r>
+              <a:rPr lang="ru-RU" dirty="0" smtClean="0"/>
+              <a:t>Возраст-54 года</a:t>
+            </a:r>
+          </a:p>
+          <a:p>
+            <a:r>
+              <a:rPr lang="ru-RU" dirty="0" smtClean="0"/>
+              <a:t>Работа-бизнесмен</a:t>
+            </a:r>
+            <a:r>
+              <a:rPr lang="ru-RU" dirty="0"/>
+              <a:t> </a:t>
+            </a:r>
+            <a:r>
+              <a:rPr lang="ru-RU" dirty="0" smtClean="0"/>
+              <a:t>и яхтсмен</a:t>
+            </a:r>
+          </a:p>
+          <a:p>
+            <a:r>
+              <a:rPr lang="ru-RU" dirty="0" smtClean="0"/>
+              <a:t>Доход-Миллиард рублей в месяц</a:t>
+            </a:r>
+          </a:p>
+          <a:p>
+            <a:endParaRPr lang="ru-RU" dirty="0"/>
+          </a:p>
+        </p:txBody>
+      </p:sp>
+    </p:spTree>
+    <p:extLst>
+      <p:ext uri="{BB962C8B-B14F-4D97-AF65-F5344CB8AC3E}">
+        <p14:creationId xmlns:p14="http://schemas.microsoft.com/office/powerpoint/2010/main" val="2799011047"/>
+      </p:ext>
+    </p:extLst>
+  </p:cSld>
+  <p:clrMapOvr>
+    <a:masterClrMapping/>
+  </p:clrMapOvr>
+  <p:transition>
+    <p:push dir="u"/>
+  </p:transition>
+  <p:timing>
+    <p:tnLst>
+      <p:par>
+        <p:cTn id="1" dur="indefinite" restart="never" nodeType="tmRoot"/>
+      </p:par>
+    </p:tnLst>
+  </p:timing>
+</p:sld>
+</file>
+
+<file path=ppt/slides/slide9.xml><?xml version="1.0" encoding="utf-8"?>
+<p:sld xmlns:a="http://schemas.openxmlformats.org/drawingml/2006/main" xmlns:r="http://schemas.openxmlformats.org/officeDocument/2006/relationships" xmlns:p="http://schemas.openxmlformats.org/presentationml/2006/main">
+  <p:cSld>
+    <p:spTree>
+      <p:nvGrpSpPr>
+        <p:cNvPr id="1" name=""/>
+        <p:cNvGrpSpPr/>
+        <p:nvPr/>
+      </p:nvGrpSpPr>
+      <p:grpSpPr>
+        <a:xfrm>
+          <a:off x="0" y="0"/>
+          <a:ext cx="0" cy="0"/>
+          <a:chOff x="0" y="0"/>
+          <a:chExt cx="0" cy="0"/>
+        </a:xfrm>
+      </p:grpSpPr>
+      <p:sp>
+        <p:nvSpPr>
+          <p:cNvPr id="2" name="Заголовок 1"/>
+          <p:cNvSpPr>
+            <a:spLocks noGrp="1"/>
+          </p:cNvSpPr>
+          <p:nvPr>
+            <p:ph type="title"/>
+          </p:nvPr>
+        </p:nvSpPr>
+        <p:spPr/>
+        <p:txBody>
+          <a:bodyPr/>
+          <a:lstStyle/>
+          <a:p>
+            <a:r>
+              <a:rPr lang="ru-RU" dirty="0" smtClean="0"/>
+              <a:t>Конкуренты</a:t>
+            </a:r>
+            <a:endParaRPr lang="ru-RU" dirty="0"/>
+          </a:p>
+        </p:txBody>
+      </p:sp>
+      <p:sp>
+        <p:nvSpPr>
+          <p:cNvPr id="3" name="Объект 2"/>
+          <p:cNvSpPr>
+            <a:spLocks noGrp="1"/>
+          </p:cNvSpPr>
+          <p:nvPr>
+            <p:ph idx="1"/>
+          </p:nvPr>
+        </p:nvSpPr>
+        <p:spPr/>
+        <p:txBody>
+          <a:bodyPr/>
+          <a:lstStyle/>
+          <a:p>
+            <a:r>
+              <a:rPr lang="ru-RU" dirty="0" smtClean="0"/>
+              <a:t>Дайв Скуба-плюсы-удобная система покупки-</a:t>
+            </a:r>
+          </a:p>
+          <a:p>
+            <a:r>
+              <a:rPr lang="ru-RU" dirty="0" smtClean="0"/>
+              <a:t>Минусы-плохой дизайн</a:t>
+            </a:r>
+          </a:p>
+          <a:p>
+            <a:r>
+              <a:rPr lang="ru-RU" dirty="0" smtClean="0"/>
+              <a:t>Кашалот-плюсов нет</a:t>
+            </a:r>
+          </a:p>
+          <a:p>
+            <a:r>
+              <a:rPr lang="ru-RU" dirty="0"/>
+              <a:t>М</a:t>
+            </a:r>
+            <a:r>
+              <a:rPr lang="ru-RU" dirty="0" smtClean="0"/>
+              <a:t>инусы-неудобный сайт</a:t>
+            </a:r>
+          </a:p>
+          <a:p>
+            <a:r>
+              <a:rPr lang="ru-RU" dirty="0" smtClean="0"/>
+              <a:t>Батискаф-плюсы-удобная система покупки красивый сайт</a:t>
+            </a:r>
+          </a:p>
+          <a:p>
+            <a:r>
+              <a:rPr lang="ru-RU" dirty="0" smtClean="0"/>
+              <a:t>Минусы-не заметил</a:t>
+            </a:r>
+            <a:endParaRPr lang="ru-RU" dirty="0"/>
+          </a:p>
+        </p:txBody>
+      </p:sp>
+    </p:spTree>
+    <p:extLst>
+      <p:ext uri="{BB962C8B-B14F-4D97-AF65-F5344CB8AC3E}">
+        <p14:creationId xmlns:p14="http://schemas.microsoft.com/office/powerpoint/2010/main" val="3754263227"/>
       </p:ext>
     </p:extLst>
   </p:cSld>
